--- a/t-01-algorithms-and-running-time/תרגול 1.pptx
+++ b/t-01-algorithms-and-running-time/תרגול 1.pptx
@@ -281,7 +281,7 @@
           <a:p>
             <a:fld id="{9FBD9C55-7868-4FF1-8666-2EC1F88A96B2}" type="datetimeFigureOut">
               <a:rPr lang="he-IL" smtClean="0"/>
-              <a:t>כ"ד/חשון/תשפ"ד</a:t>
+              <a:t>כ"ב/טבת/תשפ"ד</a:t>
             </a:fld>
             <a:endParaRPr lang="he-IL"/>
           </a:p>
@@ -479,7 +479,7 @@
           <a:p>
             <a:fld id="{9FBD9C55-7868-4FF1-8666-2EC1F88A96B2}" type="datetimeFigureOut">
               <a:rPr lang="he-IL" smtClean="0"/>
-              <a:t>כ"ד/חשון/תשפ"ד</a:t>
+              <a:t>כ"ב/טבת/תשפ"ד</a:t>
             </a:fld>
             <a:endParaRPr lang="he-IL"/>
           </a:p>
@@ -687,7 +687,7 @@
           <a:p>
             <a:fld id="{9FBD9C55-7868-4FF1-8666-2EC1F88A96B2}" type="datetimeFigureOut">
               <a:rPr lang="he-IL" smtClean="0"/>
-              <a:t>כ"ד/חשון/תשפ"ד</a:t>
+              <a:t>כ"ב/טבת/תשפ"ד</a:t>
             </a:fld>
             <a:endParaRPr lang="he-IL"/>
           </a:p>
@@ -885,7 +885,7 @@
           <a:p>
             <a:fld id="{9FBD9C55-7868-4FF1-8666-2EC1F88A96B2}" type="datetimeFigureOut">
               <a:rPr lang="he-IL" smtClean="0"/>
-              <a:t>כ"ד/חשון/תשפ"ד</a:t>
+              <a:t>כ"ב/טבת/תשפ"ד</a:t>
             </a:fld>
             <a:endParaRPr lang="he-IL"/>
           </a:p>
@@ -1160,7 +1160,7 @@
           <a:p>
             <a:fld id="{9FBD9C55-7868-4FF1-8666-2EC1F88A96B2}" type="datetimeFigureOut">
               <a:rPr lang="he-IL" smtClean="0"/>
-              <a:t>כ"ד/חשון/תשפ"ד</a:t>
+              <a:t>כ"ב/טבת/תשפ"ד</a:t>
             </a:fld>
             <a:endParaRPr lang="he-IL"/>
           </a:p>
@@ -1425,7 +1425,7 @@
           <a:p>
             <a:fld id="{9FBD9C55-7868-4FF1-8666-2EC1F88A96B2}" type="datetimeFigureOut">
               <a:rPr lang="he-IL" smtClean="0"/>
-              <a:t>כ"ד/חשון/תשפ"ד</a:t>
+              <a:t>כ"ב/טבת/תשפ"ד</a:t>
             </a:fld>
             <a:endParaRPr lang="he-IL"/>
           </a:p>
@@ -1837,7 +1837,7 @@
           <a:p>
             <a:fld id="{9FBD9C55-7868-4FF1-8666-2EC1F88A96B2}" type="datetimeFigureOut">
               <a:rPr lang="he-IL" smtClean="0"/>
-              <a:t>כ"ד/חשון/תשפ"ד</a:t>
+              <a:t>כ"ב/טבת/תשפ"ד</a:t>
             </a:fld>
             <a:endParaRPr lang="he-IL"/>
           </a:p>
@@ -1978,7 +1978,7 @@
           <a:p>
             <a:fld id="{9FBD9C55-7868-4FF1-8666-2EC1F88A96B2}" type="datetimeFigureOut">
               <a:rPr lang="he-IL" smtClean="0"/>
-              <a:t>כ"ד/חשון/תשפ"ד</a:t>
+              <a:t>כ"ב/טבת/תשפ"ד</a:t>
             </a:fld>
             <a:endParaRPr lang="he-IL"/>
           </a:p>
@@ -2091,7 +2091,7 @@
           <a:p>
             <a:fld id="{9FBD9C55-7868-4FF1-8666-2EC1F88A96B2}" type="datetimeFigureOut">
               <a:rPr lang="he-IL" smtClean="0"/>
-              <a:t>כ"ד/חשון/תשפ"ד</a:t>
+              <a:t>כ"ב/טבת/תשפ"ד</a:t>
             </a:fld>
             <a:endParaRPr lang="he-IL"/>
           </a:p>
@@ -2402,7 +2402,7 @@
           <a:p>
             <a:fld id="{9FBD9C55-7868-4FF1-8666-2EC1F88A96B2}" type="datetimeFigureOut">
               <a:rPr lang="he-IL" smtClean="0"/>
-              <a:t>כ"ד/חשון/תשפ"ד</a:t>
+              <a:t>כ"ב/טבת/תשפ"ד</a:t>
             </a:fld>
             <a:endParaRPr lang="he-IL"/>
           </a:p>
@@ -2690,7 +2690,7 @@
           <a:p>
             <a:fld id="{9FBD9C55-7868-4FF1-8666-2EC1F88A96B2}" type="datetimeFigureOut">
               <a:rPr lang="he-IL" smtClean="0"/>
-              <a:t>כ"ד/חשון/תשפ"ד</a:t>
+              <a:t>כ"ב/טבת/תשפ"ד</a:t>
             </a:fld>
             <a:endParaRPr lang="he-IL"/>
           </a:p>
@@ -2931,7 +2931,7 @@
           <a:p>
             <a:fld id="{9FBD9C55-7868-4FF1-8666-2EC1F88A96B2}" type="datetimeFigureOut">
               <a:rPr lang="he-IL" smtClean="0"/>
-              <a:t>כ"ד/חשון/תשפ"ד</a:t>
+              <a:t>כ"ב/טבת/תשפ"ד</a:t>
             </a:fld>
             <a:endParaRPr lang="he-IL"/>
           </a:p>
@@ -6858,7 +6858,7 @@
         </p:nvSpPr>
         <p:spPr>
           <a:xfrm>
-            <a:off x="434197" y="3985800"/>
+            <a:off x="4017028" y="1885666"/>
             <a:ext cx="1293963" cy="684803"/>
           </a:xfrm>
           <a:prstGeom prst="rect">
@@ -6941,7 +6941,7 @@
         </p:nvSpPr>
         <p:spPr>
           <a:xfrm>
-            <a:off x="2101971" y="3934454"/>
+            <a:off x="5684802" y="1834320"/>
             <a:ext cx="1331344" cy="1000274"/>
           </a:xfrm>
           <a:prstGeom prst="rect">
@@ -7056,7 +7056,7 @@
         </p:nvSpPr>
         <p:spPr>
           <a:xfrm>
-            <a:off x="3807126" y="3863398"/>
+            <a:off x="7389957" y="1763264"/>
             <a:ext cx="1331344" cy="1315745"/>
           </a:xfrm>
           <a:prstGeom prst="rect">
@@ -7192,7 +7192,7 @@
         </p:nvSpPr>
         <p:spPr>
           <a:xfrm>
-            <a:off x="5512281" y="3854995"/>
+            <a:off x="9095112" y="1754861"/>
             <a:ext cx="1535500" cy="1631216"/>
           </a:xfrm>
           <a:prstGeom prst="rect">
@@ -7360,7 +7360,7 @@
         </p:nvSpPr>
         <p:spPr>
           <a:xfrm>
-            <a:off x="415938" y="3565122"/>
+            <a:off x="3998769" y="1464988"/>
             <a:ext cx="1499128" cy="369332"/>
           </a:xfrm>
           <a:prstGeom prst="rect">
@@ -7395,7 +7395,7 @@
         </p:nvSpPr>
         <p:spPr>
           <a:xfrm>
-            <a:off x="4505864" y="1278191"/>
+            <a:off x="3466630" y="3249829"/>
             <a:ext cx="4681267" cy="646331"/>
           </a:xfrm>
           <a:prstGeom prst="rect">
@@ -7440,7 +7440,18 @@
                 <a:ea typeface="Times New Roman" panose="02020603050405020304" pitchFamily="18" charset="0"/>
                 <a:cs typeface="Arial" panose="020B0604020202020204" pitchFamily="34" charset="0"/>
               </a:rPr>
-              <a:t> is 1, the inner loop runs once, when I is 2 it runs twice =&gt; k = 1+2+3+4+5+…+n.</a:t>
+              <a:t> is 1, the inner loop runs once, when I is 2 it runs twice =&gt; k = 1+2+3+4+5</a:t>
+            </a:r>
+            <a:r>
+              <a:rPr lang="en-US" dirty="0" smtClean="0">
+                <a:solidFill>
+                  <a:srgbClr val="00B050"/>
+                </a:solidFill>
+                <a:latin typeface="Arial" panose="020B0604020202020204" pitchFamily="34" charset="0"/>
+                <a:ea typeface="Times New Roman" panose="02020603050405020304" pitchFamily="18" charset="0"/>
+                <a:cs typeface="Arial" panose="020B0604020202020204" pitchFamily="34" charset="0"/>
+              </a:rPr>
+              <a:t>+...</a:t>
             </a:r>
             <a:endParaRPr lang="en-US" dirty="0">
               <a:solidFill>
@@ -7453,38 +7464,8 @@
           </a:p>
         </p:txBody>
       </p:sp>
-      <p:pic>
-        <p:nvPicPr>
-          <p:cNvPr id="10" name="Picture 9"/>
-          <p:cNvPicPr>
-            <a:picLocks noChangeAspect="1"/>
-          </p:cNvPicPr>
-          <p:nvPr/>
-        </p:nvPicPr>
-        <p:blipFill>
-          <a:blip r:embed="rId3">
-            <a:extLst>
-              <a:ext uri="{28A0092B-C50C-407E-A947-70E740481C1C}">
-                <a14:useLocalDpi xmlns:a14="http://schemas.microsoft.com/office/drawing/2010/main" val="0"/>
-              </a:ext>
-            </a:extLst>
-          </a:blip>
-          <a:stretch>
-            <a:fillRect/>
-          </a:stretch>
-        </p:blipFill>
-        <p:spPr>
-          <a:xfrm>
-            <a:off x="4616106" y="2048553"/>
-            <a:ext cx="2810267" cy="695422"/>
-          </a:xfrm>
-          <a:prstGeom prst="rect">
-            <a:avLst/>
-          </a:prstGeom>
-        </p:spPr>
-      </p:pic>
-      <mc:AlternateContent xmlns:mc="http://schemas.openxmlformats.org/markup-compatibility/2006" xmlns:a14="http://schemas.microsoft.com/office/drawing/2010/main">
-        <mc:Choice Requires="a14">
+      <mc:AlternateContent xmlns:mc="http://schemas.openxmlformats.org/markup-compatibility/2006">
+        <mc:Choice xmlns:a14="http://schemas.microsoft.com/office/drawing/2010/main" Requires="a14">
           <p:sp>
             <p:nvSpPr>
               <p:cNvPr id="16" name="TextBox 15"/>
@@ -7493,7 +7474,7 @@
             </p:nvSpPr>
             <p:spPr>
               <a:xfrm flipH="1">
-                <a:off x="7855508" y="4258850"/>
+                <a:off x="6905418" y="4398041"/>
                 <a:ext cx="1973135" cy="527580"/>
               </a:xfrm>
               <a:prstGeom prst="rect">
@@ -7589,7 +7570,7 @@
             </p:txBody>
           </p:sp>
         </mc:Choice>
-        <mc:Fallback xmlns="">
+        <mc:Fallback>
           <p:sp>
             <p:nvSpPr>
               <p:cNvPr id="16" name="TextBox 15"/>
@@ -7600,14 +7581,14 @@
             </p:nvSpPr>
             <p:spPr>
               <a:xfrm flipH="1">
-                <a:off x="7855508" y="4258850"/>
+                <a:off x="6905418" y="4398041"/>
                 <a:ext cx="1973135" cy="527580"/>
               </a:xfrm>
               <a:prstGeom prst="rect">
                 <a:avLst/>
               </a:prstGeom>
               <a:blipFill>
-                <a:blip r:embed="rId4"/>
+                <a:blip r:embed="rId3"/>
                 <a:stretch>
                   <a:fillRect/>
                 </a:stretch>
@@ -7630,13 +7611,86 @@
       </mc:AlternateContent>
       <p:sp>
         <p:nvSpPr>
-          <p:cNvPr id="17" name="Right Arrow 16"/>
+          <p:cNvPr id="18" name="Rectangle 17"/>
           <p:cNvSpPr/>
           <p:nvPr/>
         </p:nvSpPr>
         <p:spPr>
           <a:xfrm>
-            <a:off x="7142534" y="4450721"/>
+            <a:off x="9873058" y="4512968"/>
+            <a:ext cx="914521" cy="369332"/>
+          </a:xfrm>
+          <a:prstGeom prst="rect">
+            <a:avLst/>
+          </a:prstGeom>
+        </p:spPr>
+        <p:txBody>
+          <a:bodyPr wrap="square">
+            <a:spAutoFit/>
+          </a:bodyPr>
+          <a:lstStyle/>
+          <a:p>
+            <a:pPr algn="l" rtl="0">
+              <a:spcBef>
+                <a:spcPts val="300"/>
+              </a:spcBef>
+              <a:spcAft>
+                <a:spcPts val="0"/>
+              </a:spcAft>
+            </a:pPr>
+            <a:r>
+              <a:rPr lang="en-US" dirty="0" smtClean="0">
+                <a:solidFill>
+                  <a:srgbClr val="FF0000"/>
+                </a:solidFill>
+                <a:latin typeface="Times New Roman" panose="02020603050405020304" pitchFamily="18" charset="0"/>
+                <a:ea typeface="Times New Roman" panose="02020603050405020304" pitchFamily="18" charset="0"/>
+                <a:cs typeface="Arial" panose="020B0604020202020204" pitchFamily="34" charset="0"/>
+              </a:rPr>
+              <a:t>O(n</a:t>
+            </a:r>
+            <a:r>
+              <a:rPr lang="en-US" baseline="30000" dirty="0" smtClean="0">
+                <a:solidFill>
+                  <a:srgbClr val="FF0000"/>
+                </a:solidFill>
+                <a:latin typeface="Times New Roman" panose="02020603050405020304" pitchFamily="18" charset="0"/>
+                <a:ea typeface="Times New Roman" panose="02020603050405020304" pitchFamily="18" charset="0"/>
+                <a:cs typeface="Arial" panose="020B0604020202020204" pitchFamily="34" charset="0"/>
+              </a:rPr>
+              <a:t>2</a:t>
+            </a:r>
+            <a:r>
+              <a:rPr lang="en-US" dirty="0" smtClean="0">
+                <a:solidFill>
+                  <a:srgbClr val="FF0000"/>
+                </a:solidFill>
+                <a:latin typeface="Times New Roman" panose="02020603050405020304" pitchFamily="18" charset="0"/>
+                <a:ea typeface="Times New Roman" panose="02020603050405020304" pitchFamily="18" charset="0"/>
+                <a:cs typeface="Arial" panose="020B0604020202020204" pitchFamily="34" charset="0"/>
+              </a:rPr>
+              <a:t>)</a:t>
+            </a:r>
+            <a:endParaRPr lang="en-US" dirty="0">
+              <a:solidFill>
+                <a:srgbClr val="FF0000"/>
+              </a:solidFill>
+              <a:latin typeface="Times New Roman" panose="02020603050405020304" pitchFamily="18" charset="0"/>
+              <a:ea typeface="Times New Roman" panose="02020603050405020304" pitchFamily="18" charset="0"/>
+              <a:cs typeface="Arial" panose="020B0604020202020204" pitchFamily="34" charset="0"/>
+            </a:endParaRPr>
+          </a:p>
+        </p:txBody>
+      </p:sp>
+      <p:sp>
+        <p:nvSpPr>
+          <p:cNvPr id="19" name="Right Arrow 18"/>
+          <p:cNvSpPr/>
+          <p:nvPr/>
+        </p:nvSpPr>
+        <p:spPr>
+          <a:xfrm>
+            <a:off x="8976032" y="4573782"/>
             <a:ext cx="646981" cy="292388"/>
           </a:xfrm>
           <a:prstGeom prst="rightArrow">
@@ -7670,70 +7724,70 @@
       </p:sp>
       <p:sp>
         <p:nvSpPr>
-          <p:cNvPr id="18" name="Rectangle 17"/>
+          <p:cNvPr id="11" name="Rectangle 10"/>
           <p:cNvSpPr/>
           <p:nvPr/>
         </p:nvSpPr>
         <p:spPr>
           <a:xfrm>
-            <a:off x="10823148" y="4373777"/>
-            <a:ext cx="914521" cy="369332"/>
+            <a:off x="3450657" y="795131"/>
+            <a:ext cx="6745757" cy="400110"/>
           </a:xfrm>
           <a:prstGeom prst="rect">
             <a:avLst/>
           </a:prstGeom>
         </p:spPr>
         <p:txBody>
-          <a:bodyPr wrap="square">
+          <a:bodyPr wrap="none">
             <a:spAutoFit/>
           </a:bodyPr>
           <a:lstStyle/>
           <a:p>
-            <a:pPr algn="l" rtl="0">
+            <a:pPr>
               <a:spcBef>
                 <a:spcPts val="300"/>
               </a:spcBef>
-              <a:spcAft>
-                <a:spcPts val="0"/>
-              </a:spcAft>
             </a:pPr>
             <a:r>
-              <a:rPr lang="en-US" dirty="0" smtClean="0">
-                <a:solidFill>
-                  <a:srgbClr val="FF0000"/>
-                </a:solidFill>
+              <a:rPr lang="he-IL" sz="2000" dirty="0">
                 <a:latin typeface="Times New Roman" panose="02020603050405020304" pitchFamily="18" charset="0"/>
                 <a:ea typeface="Times New Roman" panose="02020603050405020304" pitchFamily="18" charset="0"/>
-                <a:cs typeface="Arial" panose="020B0604020202020204" pitchFamily="34" charset="0"/>
-              </a:rPr>
-              <a:t>O(n</a:t>
-            </a:r>
-            <a:r>
-              <a:rPr lang="en-US" baseline="30000" dirty="0" smtClean="0">
-                <a:solidFill>
-                  <a:srgbClr val="FF0000"/>
-                </a:solidFill>
+              </a:rPr>
+              <a:t>כמה פעמים מתבצעת פעולת החיבור </a:t>
+            </a:r>
+            <a:r>
+              <a:rPr lang="en-US" sz="2000" dirty="0">
+                <a:latin typeface="Arial" panose="020B0604020202020204" pitchFamily="34" charset="0"/>
+                <a:ea typeface="Times New Roman" panose="02020603050405020304" pitchFamily="18" charset="0"/>
+                <a:cs typeface="Arial" panose="020B0604020202020204" pitchFamily="34" charset="0"/>
+              </a:rPr>
+              <a:t>k </a:t>
+            </a:r>
+            <a:r>
+              <a:rPr lang="en-US" sz="2000" dirty="0">
+                <a:latin typeface="Arial" panose="020B0604020202020204" pitchFamily="34" charset="0"/>
+                <a:ea typeface="Times New Roman" panose="02020603050405020304" pitchFamily="18" charset="0"/>
+                <a:cs typeface="Arial" panose="020B0604020202020204" pitchFamily="34" charset="0"/>
+                <a:sym typeface="Wingdings" panose="05000000000000000000" pitchFamily="2" charset="2"/>
+              </a:rPr>
+              <a:t></a:t>
+            </a:r>
+            <a:r>
+              <a:rPr lang="en-US" sz="2000" dirty="0">
+                <a:latin typeface="Arial" panose="020B0604020202020204" pitchFamily="34" charset="0"/>
+                <a:ea typeface="Times New Roman" panose="02020603050405020304" pitchFamily="18" charset="0"/>
+                <a:cs typeface="Arial" panose="020B0604020202020204" pitchFamily="34" charset="0"/>
+              </a:rPr>
+              <a:t> k + 1</a:t>
+            </a:r>
+            <a:r>
+              <a:rPr lang="he-IL" sz="2000" dirty="0">
                 <a:latin typeface="Times New Roman" panose="02020603050405020304" pitchFamily="18" charset="0"/>
                 <a:ea typeface="Times New Roman" panose="02020603050405020304" pitchFamily="18" charset="0"/>
-                <a:cs typeface="Arial" panose="020B0604020202020204" pitchFamily="34" charset="0"/>
-              </a:rPr>
-              <a:t>2</a:t>
-            </a:r>
-            <a:r>
-              <a:rPr lang="en-US" dirty="0" smtClean="0">
-                <a:solidFill>
-                  <a:srgbClr val="FF0000"/>
-                </a:solidFill>
-                <a:latin typeface="Times New Roman" panose="02020603050405020304" pitchFamily="18" charset="0"/>
-                <a:ea typeface="Times New Roman" panose="02020603050405020304" pitchFamily="18" charset="0"/>
-                <a:cs typeface="Arial" panose="020B0604020202020204" pitchFamily="34" charset="0"/>
-              </a:rPr>
-              <a:t>)</a:t>
-            </a:r>
-            <a:endParaRPr lang="en-US" dirty="0">
-              <a:solidFill>
-                <a:srgbClr val="FF0000"/>
-              </a:solidFill>
+              </a:rPr>
+              <a:t> בקטע הקוד הבא?</a:t>
+            </a:r>
+            <a:endParaRPr lang="en-US" sz="2000" dirty="0">
               <a:latin typeface="Times New Roman" panose="02020603050405020304" pitchFamily="18" charset="0"/>
               <a:ea typeface="Times New Roman" panose="02020603050405020304" pitchFamily="18" charset="0"/>
               <a:cs typeface="Arial" panose="020B0604020202020204" pitchFamily="34" charset="0"/>
@@ -7743,13 +7797,82 @@
       </p:sp>
       <p:sp>
         <p:nvSpPr>
-          <p:cNvPr id="19" name="Right Arrow 18"/>
+          <p:cNvPr id="12" name="AutoShape 2" descr="{\displaystyle \sum _{k=1}^{n}k={\frac {n(n+1)}{2}}.}"/>
+          <p:cNvSpPr>
+            <a:spLocks noChangeAspect="1" noChangeArrowheads="1"/>
+          </p:cNvSpPr>
+          <p:nvPr/>
+        </p:nvSpPr>
+        <p:spPr bwMode="auto">
+          <a:xfrm>
+            <a:off x="155575" y="-144463"/>
+            <a:ext cx="304800" cy="304801"/>
+          </a:xfrm>
+          <a:prstGeom prst="rect">
+            <a:avLst/>
+          </a:prstGeom>
+          <a:noFill/>
+          <a:extLst>
+            <a:ext uri="{909E8E84-426E-40DD-AFC4-6F175D3DCCD1}">
+              <a14:hiddenFill xmlns:a14="http://schemas.microsoft.com/office/drawing/2010/main">
+                <a:solidFill>
+                  <a:srgbClr val="FFFFFF"/>
+                </a:solidFill>
+              </a14:hiddenFill>
+            </a:ext>
+          </a:extLst>
+        </p:spPr>
+        <p:txBody>
+          <a:bodyPr vert="horz" wrap="square" lIns="91440" tIns="45720" rIns="91440" bIns="45720" numCol="1" anchor="t" anchorCtr="0" compatLnSpc="1">
+            <a:prstTxWarp prst="textNoShape">
+              <a:avLst/>
+            </a:prstTxWarp>
+          </a:bodyPr>
+          <a:lstStyle/>
+          <a:p>
+            <a:endParaRPr lang="en-US"/>
+          </a:p>
+        </p:txBody>
+      </p:sp>
+      <p:pic>
+        <p:nvPicPr>
+          <p:cNvPr id="13" name="Picture 12"/>
+          <p:cNvPicPr>
+            <a:picLocks noChangeAspect="1"/>
+          </p:cNvPicPr>
+          <p:nvPr/>
+        </p:nvPicPr>
+        <p:blipFill>
+          <a:blip r:embed="rId4">
+            <a:extLst>
+              <a:ext uri="{28A0092B-C50C-407E-A947-70E740481C1C}">
+                <a14:useLocalDpi xmlns:a14="http://schemas.microsoft.com/office/drawing/2010/main" val="0"/>
+              </a:ext>
+            </a:extLst>
+          </a:blip>
+          <a:stretch>
+            <a:fillRect/>
+          </a:stretch>
+        </p:blipFill>
+        <p:spPr>
+          <a:xfrm>
+            <a:off x="3543464" y="4250103"/>
+            <a:ext cx="2076740" cy="933580"/>
+          </a:xfrm>
+          <a:prstGeom prst="rect">
+            <a:avLst/>
+          </a:prstGeom>
+        </p:spPr>
+      </p:pic>
+      <p:sp>
+        <p:nvSpPr>
+          <p:cNvPr id="25" name="Right Arrow 24"/>
           <p:cNvSpPr/>
           <p:nvPr/>
         </p:nvSpPr>
         <p:spPr>
           <a:xfrm>
-            <a:off x="9960628" y="4434591"/>
+            <a:off x="6026983" y="4573782"/>
             <a:ext cx="646981" cy="292388"/>
           </a:xfrm>
           <a:prstGeom prst="rightArrow">
@@ -7778,119 +7901,6 @@
           <a:p>
             <a:pPr algn="ctr"/>
             <a:endParaRPr lang="en-US"/>
-          </a:p>
-        </p:txBody>
-      </p:sp>
-      <p:sp>
-        <p:nvSpPr>
-          <p:cNvPr id="20" name="Right Arrow 19"/>
-          <p:cNvSpPr/>
-          <p:nvPr/>
-        </p:nvSpPr>
-        <p:spPr>
-          <a:xfrm rot="5400000">
-            <a:off x="4438809" y="3095319"/>
-            <a:ext cx="646981" cy="292388"/>
-          </a:xfrm>
-          <a:prstGeom prst="rightArrow">
-            <a:avLst/>
-          </a:prstGeom>
-        </p:spPr>
-        <p:style>
-          <a:lnRef idx="2">
-            <a:schemeClr val="accent1">
-              <a:shade val="50000"/>
-            </a:schemeClr>
-          </a:lnRef>
-          <a:fillRef idx="1">
-            <a:schemeClr val="accent1"/>
-          </a:fillRef>
-          <a:effectRef idx="0">
-            <a:schemeClr val="accent1"/>
-          </a:effectRef>
-          <a:fontRef idx="minor">
-            <a:schemeClr val="lt1"/>
-          </a:fontRef>
-        </p:style>
-        <p:txBody>
-          <a:bodyPr rtlCol="0" anchor="ctr"/>
-          <a:lstStyle/>
-          <a:p>
-            <a:pPr algn="ctr"/>
-            <a:endParaRPr lang="en-US"/>
-          </a:p>
-        </p:txBody>
-      </p:sp>
-      <p:sp>
-        <p:nvSpPr>
-          <p:cNvPr id="11" name="Rectangle 10"/>
-          <p:cNvSpPr/>
-          <p:nvPr/>
-        </p:nvSpPr>
-        <p:spPr>
-          <a:xfrm>
-            <a:off x="3450657" y="795131"/>
-            <a:ext cx="6745757" cy="400110"/>
-          </a:xfrm>
-          <a:prstGeom prst="rect">
-            <a:avLst/>
-          </a:prstGeom>
-        </p:spPr>
-        <p:txBody>
-          <a:bodyPr wrap="none">
-            <a:spAutoFit/>
-          </a:bodyPr>
-          <a:lstStyle/>
-          <a:p>
-            <a:pPr>
-              <a:spcBef>
-                <a:spcPts val="300"/>
-              </a:spcBef>
-            </a:pPr>
-            <a:r>
-              <a:rPr lang="he-IL" sz="2000" dirty="0">
-                <a:latin typeface="Times New Roman" panose="02020603050405020304" pitchFamily="18" charset="0"/>
-                <a:ea typeface="Times New Roman" panose="02020603050405020304" pitchFamily="18" charset="0"/>
-              </a:rPr>
-              <a:t>כמה פעמים מתבצעת פעולת החיבור </a:t>
-            </a:r>
-            <a:r>
-              <a:rPr lang="en-US" sz="2000" dirty="0">
-                <a:latin typeface="Arial" panose="020B0604020202020204" pitchFamily="34" charset="0"/>
-                <a:ea typeface="Times New Roman" panose="02020603050405020304" pitchFamily="18" charset="0"/>
-                <a:cs typeface="Arial" panose="020B0604020202020204" pitchFamily="34" charset="0"/>
-              </a:rPr>
-              <a:t>k </a:t>
-            </a:r>
-            <a:r>
-              <a:rPr lang="en-US" sz="2000" dirty="0">
-                <a:latin typeface="Arial" panose="020B0604020202020204" pitchFamily="34" charset="0"/>
-                <a:ea typeface="Times New Roman" panose="02020603050405020304" pitchFamily="18" charset="0"/>
-                <a:cs typeface="Arial" panose="020B0604020202020204" pitchFamily="34" charset="0"/>
-                <a:sym typeface="Wingdings" panose="05000000000000000000" pitchFamily="2" charset="2"/>
-              </a:rPr>
-              <a:t></a:t>
-            </a:r>
-            <a:r>
-              <a:rPr lang="en-US" sz="2000" dirty="0">
-                <a:latin typeface="Arial" panose="020B0604020202020204" pitchFamily="34" charset="0"/>
-                <a:ea typeface="Times New Roman" panose="02020603050405020304" pitchFamily="18" charset="0"/>
-                <a:cs typeface="Arial" panose="020B0604020202020204" pitchFamily="34" charset="0"/>
-              </a:rPr>
-              <a:t> k + 1</a:t>
-            </a:r>
-            <a:r>
-              <a:rPr lang="he-IL" sz="2000" dirty="0">
-                <a:latin typeface="Times New Roman" panose="02020603050405020304" pitchFamily="18" charset="0"/>
-                <a:ea typeface="Times New Roman" panose="02020603050405020304" pitchFamily="18" charset="0"/>
-              </a:rPr>
-              <a:t> בקטע הקוד הבא?</a:t>
-            </a:r>
-            <a:endParaRPr lang="en-US" sz="2000" dirty="0">
-              <a:latin typeface="Times New Roman" panose="02020603050405020304" pitchFamily="18" charset="0"/>
-              <a:ea typeface="Times New Roman" panose="02020603050405020304" pitchFamily="18" charset="0"/>
-              <a:cs typeface="Arial" panose="020B0604020202020204" pitchFamily="34" charset="0"/>
-            </a:endParaRPr>
           </a:p>
         </p:txBody>
       </p:sp>
@@ -7938,123 +7948,6 @@
                                           </p:stCondLst>
                                         </p:cTn>
                                         <p:tgtEl>
-                                          <p:spTgt spid="9"/>
-                                        </p:tgtEl>
-                                        <p:attrNameLst>
-                                          <p:attrName>style.visibility</p:attrName>
-                                        </p:attrNameLst>
-                                      </p:cBhvr>
-                                      <p:to>
-                                        <p:strVal val="visible"/>
-                                      </p:to>
-                                    </p:set>
-                                  </p:childTnLst>
-                                </p:cTn>
-                              </p:par>
-                              <p:par>
-                                <p:cTn id="7" presetID="1" presetClass="entr" presetSubtype="0" fill="hold" nodeType="withEffect">
-                                  <p:stCondLst>
-                                    <p:cond delay="0"/>
-                                  </p:stCondLst>
-                                  <p:childTnLst>
-                                    <p:set>
-                                      <p:cBhvr>
-                                        <p:cTn id="8" dur="1" fill="hold">
-                                          <p:stCondLst>
-                                            <p:cond delay="0"/>
-                                          </p:stCondLst>
-                                        </p:cTn>
-                                        <p:tgtEl>
-                                          <p:spTgt spid="10"/>
-                                        </p:tgtEl>
-                                        <p:attrNameLst>
-                                          <p:attrName>style.visibility</p:attrName>
-                                        </p:attrNameLst>
-                                      </p:cBhvr>
-                                      <p:to>
-                                        <p:strVal val="visible"/>
-                                      </p:to>
-                                    </p:set>
-                                  </p:childTnLst>
-                                </p:cTn>
-                              </p:par>
-                            </p:childTnLst>
-                          </p:cTn>
-                        </p:par>
-                      </p:childTnLst>
-                    </p:cTn>
-                  </p:par>
-                  <p:par>
-                    <p:cTn id="9" fill="hold">
-                      <p:stCondLst>
-                        <p:cond delay="indefinite"/>
-                      </p:stCondLst>
-                      <p:childTnLst>
-                        <p:par>
-                          <p:cTn id="10" fill="hold">
-                            <p:stCondLst>
-                              <p:cond delay="0"/>
-                            </p:stCondLst>
-                            <p:childTnLst>
-                              <p:par>
-                                <p:cTn id="11" presetID="1" presetClass="entr" presetSubtype="0" fill="hold" grpId="0" nodeType="clickEffect">
-                                  <p:stCondLst>
-                                    <p:cond delay="0"/>
-                                  </p:stCondLst>
-                                  <p:childTnLst>
-                                    <p:set>
-                                      <p:cBhvr>
-                                        <p:cTn id="12" dur="1" fill="hold">
-                                          <p:stCondLst>
-                                            <p:cond delay="0"/>
-                                          </p:stCondLst>
-                                        </p:cTn>
-                                        <p:tgtEl>
-                                          <p:spTgt spid="20"/>
-                                        </p:tgtEl>
-                                        <p:attrNameLst>
-                                          <p:attrName>style.visibility</p:attrName>
-                                        </p:attrNameLst>
-                                      </p:cBhvr>
-                                      <p:to>
-                                        <p:strVal val="visible"/>
-                                      </p:to>
-                                    </p:set>
-                                  </p:childTnLst>
-                                </p:cTn>
-                              </p:par>
-                            </p:childTnLst>
-                          </p:cTn>
-                        </p:par>
-                      </p:childTnLst>
-                    </p:cTn>
-                  </p:par>
-                  <p:par>
-                    <p:cTn id="13" fill="hold">
-                      <p:stCondLst>
-                        <p:cond delay="indefinite"/>
-                      </p:stCondLst>
-                      <p:childTnLst>
-                        <p:par>
-                          <p:cTn id="14" fill="hold">
-                            <p:stCondLst>
-                              <p:cond delay="0"/>
-                            </p:stCondLst>
-                            <p:childTnLst>
-                              <p:par>
-                                <p:cTn id="15" presetID="1" presetClass="entr" presetSubtype="0" fill="hold" grpId="0" nodeType="clickEffect">
-                                  <p:stCondLst>
-                                    <p:cond delay="0"/>
-                                  </p:stCondLst>
-                                  <p:childTnLst>
-                                    <p:set>
-                                      <p:cBhvr>
-                                        <p:cTn id="16" dur="1" fill="hold">
-                                          <p:stCondLst>
-                                            <p:cond delay="0"/>
-                                          </p:stCondLst>
-                                        </p:cTn>
-                                        <p:tgtEl>
                                           <p:spTgt spid="8"/>
                                         </p:tgtEl>
                                         <p:attrNameLst>
@@ -8075,26 +7968,26 @@
                     </p:cTn>
                   </p:par>
                   <p:par>
-                    <p:cTn id="17" fill="hold">
+                    <p:cTn id="7" fill="hold">
                       <p:stCondLst>
                         <p:cond delay="indefinite"/>
                       </p:stCondLst>
                       <p:childTnLst>
                         <p:par>
-                          <p:cTn id="18" fill="hold">
+                          <p:cTn id="8" fill="hold">
                             <p:stCondLst>
                               <p:cond delay="0"/>
                             </p:stCondLst>
                             <p:childTnLst>
                               <p:par>
-                                <p:cTn id="19" presetID="1" presetClass="entr" presetSubtype="0" fill="hold" grpId="0" nodeType="clickEffect">
+                                <p:cTn id="9" presetID="1" presetClass="entr" presetSubtype="0" fill="hold" grpId="0" nodeType="clickEffect">
                                   <p:stCondLst>
                                     <p:cond delay="0"/>
                                   </p:stCondLst>
                                   <p:childTnLst>
                                     <p:set>
                                       <p:cBhvr>
-                                        <p:cTn id="20" dur="1" fill="hold">
+                                        <p:cTn id="10" dur="1" fill="hold">
                                           <p:stCondLst>
                                             <p:cond delay="0"/>
                                           </p:stCondLst>
@@ -8120,26 +8013,26 @@
                     </p:cTn>
                   </p:par>
                   <p:par>
-                    <p:cTn id="21" fill="hold">
+                    <p:cTn id="11" fill="hold">
                       <p:stCondLst>
                         <p:cond delay="indefinite"/>
                       </p:stCondLst>
                       <p:childTnLst>
                         <p:par>
-                          <p:cTn id="22" fill="hold">
+                          <p:cTn id="12" fill="hold">
                             <p:stCondLst>
                               <p:cond delay="0"/>
                             </p:stCondLst>
                             <p:childTnLst>
                               <p:par>
-                                <p:cTn id="23" presetID="1" presetClass="entr" presetSubtype="0" fill="hold" grpId="0" nodeType="clickEffect">
+                                <p:cTn id="13" presetID="1" presetClass="entr" presetSubtype="0" fill="hold" grpId="0" nodeType="clickEffect">
                                   <p:stCondLst>
                                     <p:cond delay="0"/>
                                   </p:stCondLst>
                                   <p:childTnLst>
                                     <p:set>
                                       <p:cBhvr>
-                                        <p:cTn id="24" dur="1" fill="hold">
+                                        <p:cTn id="14" dur="1" fill="hold">
                                           <p:stCondLst>
                                             <p:cond delay="0"/>
                                           </p:stCondLst>
@@ -8165,26 +8058,26 @@
                     </p:cTn>
                   </p:par>
                   <p:par>
-                    <p:cTn id="25" fill="hold">
+                    <p:cTn id="15" fill="hold">
                       <p:stCondLst>
                         <p:cond delay="indefinite"/>
                       </p:stCondLst>
                       <p:childTnLst>
                         <p:par>
-                          <p:cTn id="26" fill="hold">
+                          <p:cTn id="16" fill="hold">
                             <p:stCondLst>
                               <p:cond delay="0"/>
                             </p:stCondLst>
                             <p:childTnLst>
                               <p:par>
-                                <p:cTn id="27" presetID="1" presetClass="entr" presetSubtype="0" fill="hold" grpId="0" nodeType="clickEffect">
+                                <p:cTn id="17" presetID="1" presetClass="entr" presetSubtype="0" fill="hold" grpId="0" nodeType="clickEffect">
                                   <p:stCondLst>
                                     <p:cond delay="0"/>
                                   </p:stCondLst>
                                   <p:childTnLst>
                                     <p:set>
                                       <p:cBhvr>
-                                        <p:cTn id="28" dur="1" fill="hold">
+                                        <p:cTn id="18" dur="1" fill="hold">
                                           <p:stCondLst>
                                             <p:cond delay="0"/>
                                           </p:stCondLst>
@@ -8210,26 +8103,26 @@
                     </p:cTn>
                   </p:par>
                   <p:par>
-                    <p:cTn id="29" fill="hold">
+                    <p:cTn id="19" fill="hold">
                       <p:stCondLst>
                         <p:cond delay="indefinite"/>
                       </p:stCondLst>
                       <p:childTnLst>
                         <p:par>
-                          <p:cTn id="30" fill="hold">
+                          <p:cTn id="20" fill="hold">
                             <p:stCondLst>
                               <p:cond delay="0"/>
                             </p:stCondLst>
                             <p:childTnLst>
                               <p:par>
-                                <p:cTn id="31" presetID="1" presetClass="entr" presetSubtype="0" fill="hold" grpId="0" nodeType="clickEffect">
+                                <p:cTn id="21" presetID="1" presetClass="entr" presetSubtype="0" fill="hold" grpId="0" nodeType="clickEffect">
                                   <p:stCondLst>
                                     <p:cond delay="0"/>
                                   </p:stCondLst>
                                   <p:childTnLst>
                                     <p:set>
                                       <p:cBhvr>
-                                        <p:cTn id="32" dur="1" fill="hold">
+                                        <p:cTn id="22" dur="1" fill="hold">
                                           <p:stCondLst>
                                             <p:cond delay="0"/>
                                           </p:stCondLst>
@@ -8255,32 +8148,32 @@
                     </p:cTn>
                   </p:par>
                   <p:par>
-                    <p:cTn id="33" fill="hold">
+                    <p:cTn id="23" fill="hold">
                       <p:stCondLst>
                         <p:cond delay="indefinite"/>
                       </p:stCondLst>
                       <p:childTnLst>
                         <p:par>
-                          <p:cTn id="34" fill="hold">
+                          <p:cTn id="24" fill="hold">
                             <p:stCondLst>
                               <p:cond delay="0"/>
                             </p:stCondLst>
                             <p:childTnLst>
                               <p:par>
-                                <p:cTn id="35" presetID="1" presetClass="entr" presetSubtype="0" fill="hold" grpId="0" nodeType="clickEffect">
+                                <p:cTn id="25" presetID="1" presetClass="entr" presetSubtype="0" fill="hold" grpId="0" nodeType="clickEffect">
                                   <p:stCondLst>
                                     <p:cond delay="0"/>
                                   </p:stCondLst>
                                   <p:childTnLst>
                                     <p:set>
                                       <p:cBhvr>
-                                        <p:cTn id="36" dur="1" fill="hold">
+                                        <p:cTn id="26" dur="1" fill="hold">
                                           <p:stCondLst>
                                             <p:cond delay="0"/>
                                           </p:stCondLst>
                                         </p:cTn>
                                         <p:tgtEl>
-                                          <p:spTgt spid="17"/>
+                                          <p:spTgt spid="9"/>
                                         </p:tgtEl>
                                         <p:attrNameLst>
                                           <p:attrName>style.visibility</p:attrName>
@@ -8300,26 +8193,116 @@
                     </p:cTn>
                   </p:par>
                   <p:par>
-                    <p:cTn id="37" fill="hold">
+                    <p:cTn id="27" fill="hold">
                       <p:stCondLst>
                         <p:cond delay="indefinite"/>
                       </p:stCondLst>
                       <p:childTnLst>
                         <p:par>
-                          <p:cTn id="38" fill="hold">
+                          <p:cTn id="28" fill="hold">
                             <p:stCondLst>
                               <p:cond delay="0"/>
                             </p:stCondLst>
                             <p:childTnLst>
                               <p:par>
-                                <p:cTn id="39" presetID="1" presetClass="entr" presetSubtype="0" fill="hold" grpId="0" nodeType="clickEffect">
+                                <p:cTn id="29" presetID="1" presetClass="entr" presetSubtype="0" fill="hold" nodeType="clickEffect">
                                   <p:stCondLst>
                                     <p:cond delay="0"/>
                                   </p:stCondLst>
                                   <p:childTnLst>
                                     <p:set>
                                       <p:cBhvr>
-                                        <p:cTn id="40" dur="1" fill="hold">
+                                        <p:cTn id="30" dur="1" fill="hold">
+                                          <p:stCondLst>
+                                            <p:cond delay="0"/>
+                                          </p:stCondLst>
+                                        </p:cTn>
+                                        <p:tgtEl>
+                                          <p:spTgt spid="13"/>
+                                        </p:tgtEl>
+                                        <p:attrNameLst>
+                                          <p:attrName>style.visibility</p:attrName>
+                                        </p:attrNameLst>
+                                      </p:cBhvr>
+                                      <p:to>
+                                        <p:strVal val="visible"/>
+                                      </p:to>
+                                    </p:set>
+                                  </p:childTnLst>
+                                </p:cTn>
+                              </p:par>
+                            </p:childTnLst>
+                          </p:cTn>
+                        </p:par>
+                      </p:childTnLst>
+                    </p:cTn>
+                  </p:par>
+                  <p:par>
+                    <p:cTn id="31" fill="hold">
+                      <p:stCondLst>
+                        <p:cond delay="indefinite"/>
+                      </p:stCondLst>
+                      <p:childTnLst>
+                        <p:par>
+                          <p:cTn id="32" fill="hold">
+                            <p:stCondLst>
+                              <p:cond delay="0"/>
+                            </p:stCondLst>
+                            <p:childTnLst>
+                              <p:par>
+                                <p:cTn id="33" presetID="1" presetClass="entr" presetSubtype="0" fill="hold" grpId="0" nodeType="clickEffect">
+                                  <p:stCondLst>
+                                    <p:cond delay="0"/>
+                                  </p:stCondLst>
+                                  <p:childTnLst>
+                                    <p:set>
+                                      <p:cBhvr>
+                                        <p:cTn id="34" dur="1" fill="hold">
+                                          <p:stCondLst>
+                                            <p:cond delay="0"/>
+                                          </p:stCondLst>
+                                        </p:cTn>
+                                        <p:tgtEl>
+                                          <p:spTgt spid="25"/>
+                                        </p:tgtEl>
+                                        <p:attrNameLst>
+                                          <p:attrName>style.visibility</p:attrName>
+                                        </p:attrNameLst>
+                                      </p:cBhvr>
+                                      <p:to>
+                                        <p:strVal val="visible"/>
+                                      </p:to>
+                                    </p:set>
+                                  </p:childTnLst>
+                                </p:cTn>
+                              </p:par>
+                            </p:childTnLst>
+                          </p:cTn>
+                        </p:par>
+                      </p:childTnLst>
+                    </p:cTn>
+                  </p:par>
+                  <p:par>
+                    <p:cTn id="35" fill="hold">
+                      <p:stCondLst>
+                        <p:cond delay="indefinite"/>
+                      </p:stCondLst>
+                      <p:childTnLst>
+                        <p:par>
+                          <p:cTn id="36" fill="hold">
+                            <p:stCondLst>
+                              <p:cond delay="0"/>
+                            </p:stCondLst>
+                            <p:childTnLst>
+                              <p:par>
+                                <p:cTn id="37" presetID="1" presetClass="entr" presetSubtype="0" fill="hold" grpId="0" nodeType="clickEffect">
+                                  <p:stCondLst>
+                                    <p:cond delay="0"/>
+                                  </p:stCondLst>
+                                  <p:childTnLst>
+                                    <p:set>
+                                      <p:cBhvr>
+                                        <p:cTn id="38" dur="1" fill="hold">
                                           <p:stCondLst>
                                             <p:cond delay="0"/>
                                           </p:stCondLst>
@@ -8345,26 +8328,26 @@
                     </p:cTn>
                   </p:par>
                   <p:par>
-                    <p:cTn id="41" fill="hold">
+                    <p:cTn id="39" fill="hold">
                       <p:stCondLst>
                         <p:cond delay="indefinite"/>
                       </p:stCondLst>
                       <p:childTnLst>
                         <p:par>
-                          <p:cTn id="42" fill="hold">
+                          <p:cTn id="40" fill="hold">
                             <p:stCondLst>
                               <p:cond delay="0"/>
                             </p:stCondLst>
                             <p:childTnLst>
                               <p:par>
-                                <p:cTn id="43" presetID="1" presetClass="entr" presetSubtype="0" fill="hold" grpId="0" nodeType="clickEffect">
+                                <p:cTn id="41" presetID="1" presetClass="entr" presetSubtype="0" fill="hold" grpId="0" nodeType="clickEffect">
                                   <p:stCondLst>
                                     <p:cond delay="0"/>
                                   </p:stCondLst>
                                   <p:childTnLst>
                                     <p:set>
                                       <p:cBhvr>
-                                        <p:cTn id="44" dur="1" fill="hold">
+                                        <p:cTn id="42" dur="1" fill="hold">
                                           <p:stCondLst>
                                             <p:cond delay="0"/>
                                           </p:stCondLst>
@@ -8390,26 +8373,26 @@
                     </p:cTn>
                   </p:par>
                   <p:par>
-                    <p:cTn id="45" fill="hold">
+                    <p:cTn id="43" fill="hold">
                       <p:stCondLst>
                         <p:cond delay="indefinite"/>
                       </p:stCondLst>
                       <p:childTnLst>
                         <p:par>
-                          <p:cTn id="46" fill="hold">
+                          <p:cTn id="44" fill="hold">
                             <p:stCondLst>
                               <p:cond delay="0"/>
                             </p:stCondLst>
                             <p:childTnLst>
                               <p:par>
-                                <p:cTn id="47" presetID="1" presetClass="entr" presetSubtype="0" fill="hold" grpId="0" nodeType="clickEffect">
+                                <p:cTn id="45" presetID="1" presetClass="entr" presetSubtype="0" fill="hold" grpId="0" nodeType="clickEffect">
                                   <p:stCondLst>
                                     <p:cond delay="0"/>
                                   </p:stCondLst>
                                   <p:childTnLst>
                                     <p:set>
                                       <p:cBhvr>
-                                        <p:cTn id="48" dur="1" fill="hold">
+                                        <p:cTn id="46" dur="1" fill="hold">
                                           <p:stCondLst>
                                             <p:cond delay="0"/>
                                           </p:stCondLst>
@@ -8463,10 +8446,9 @@
       <p:bldP spid="8" grpId="0"/>
       <p:bldP spid="9" grpId="0"/>
       <p:bldP spid="16" grpId="0"/>
-      <p:bldP spid="17" grpId="0" animBg="1"/>
       <p:bldP spid="18" grpId="0"/>
       <p:bldP spid="19" grpId="0" animBg="1"/>
-      <p:bldP spid="20" grpId="0" animBg="1"/>
+      <p:bldP spid="25" grpId="0" animBg="1"/>
     </p:bldLst>
   </p:timing>
 </p:sld>
@@ -10821,46 +10803,47 @@
           </a:p>
         </p:txBody>
       </p:sp>
-      <p:pic>
-        <p:nvPicPr>
-          <p:cNvPr id="39" name="Picture 38"/>
-          <p:cNvPicPr>
-            <a:picLocks noChangeAspect="1"/>
-          </p:cNvPicPr>
+      <p:sp>
+        <p:nvSpPr>
+          <p:cNvPr id="46" name="Rectangle 45"/>
+          <p:cNvSpPr/>
           <p:nvPr/>
-        </p:nvPicPr>
-        <p:blipFill>
-          <a:blip r:embed="rId3">
-            <a:extLst>
-              <a:ext uri="{28A0092B-C50C-407E-A947-70E740481C1C}">
-                <a14:useLocalDpi xmlns:a14="http://schemas.microsoft.com/office/drawing/2010/main" val="0"/>
-              </a:ext>
-            </a:extLst>
-          </a:blip>
-          <a:stretch>
-            <a:fillRect/>
-          </a:stretch>
-        </p:blipFill>
+        </p:nvSpPr>
         <p:spPr>
           <a:xfrm>
-            <a:off x="3904951" y="3970504"/>
-            <a:ext cx="3439005" cy="685896"/>
+            <a:off x="6997480" y="4914183"/>
+            <a:ext cx="3510898" cy="369332"/>
           </a:xfrm>
           <a:prstGeom prst="rect">
             <a:avLst/>
           </a:prstGeom>
         </p:spPr>
-      </p:pic>
+        <p:txBody>
+          <a:bodyPr wrap="none">
+            <a:spAutoFit/>
+          </a:bodyPr>
+          <a:lstStyle/>
+          <a:p>
+            <a:r>
+              <a:rPr lang="pt-BR" dirty="0" smtClean="0">
+                <a:latin typeface="Söhne"/>
+              </a:rPr>
+              <a:t>Runtime ≈ O(n*(1 - 4^n) / (1 - 4))</a:t>
+            </a:r>
+            <a:endParaRPr lang="en-US" dirty="0"/>
+          </a:p>
+        </p:txBody>
+      </p:sp>
       <p:sp>
         <p:nvSpPr>
-          <p:cNvPr id="45" name="Rectangle 44"/>
+          <p:cNvPr id="4" name="Rectangle 3"/>
           <p:cNvSpPr/>
           <p:nvPr/>
         </p:nvSpPr>
         <p:spPr>
           <a:xfrm>
-            <a:off x="3372928" y="4831775"/>
-            <a:ext cx="8122517" cy="1200329"/>
+            <a:off x="2165230" y="774243"/>
+            <a:ext cx="8140454" cy="707886"/>
           </a:xfrm>
           <a:prstGeom prst="rect">
             <a:avLst/>
@@ -10872,24 +10855,58 @@
           </a:bodyPr>
           <a:lstStyle/>
           <a:p>
-            <a:pPr algn="just" rtl="0"/>
-            <a:r>
-              <a:rPr lang="en-US" dirty="0"/>
-              <a:t>This is the runtime of the function in terms of the number of iterations, n. The exact value depends on the input value of n. The time complexity is O(4^n) or exponential in terms of n. This means the runtime grows very quickly as n increases, making it an inefficient algorithm for large values of n.</a:t>
-            </a:r>
+            <a:pPr>
+              <a:spcBef>
+                <a:spcPts val="600"/>
+              </a:spcBef>
+            </a:pPr>
+            <a:r>
+              <a:rPr lang="he-IL" sz="2000" dirty="0">
+                <a:latin typeface="Times New Roman" panose="02020603050405020304" pitchFamily="18" charset="0"/>
+                <a:ea typeface="Times New Roman" panose="02020603050405020304" pitchFamily="18" charset="0"/>
+              </a:rPr>
+              <a:t>חשבו את מספר הפעמים בו מתבצע גוף של לולאת ה-</a:t>
+            </a:r>
+            <a:r>
+              <a:rPr lang="en-US" sz="2000" dirty="0">
+                <a:latin typeface="Arial" panose="020B0604020202020204" pitchFamily="34" charset="0"/>
+                <a:ea typeface="Times New Roman" panose="02020603050405020304" pitchFamily="18" charset="0"/>
+                <a:cs typeface="Arial" panose="020B0604020202020204" pitchFamily="34" charset="0"/>
+              </a:rPr>
+              <a:t>while </a:t>
+            </a:r>
+            <a:r>
+              <a:rPr lang="he-IL" sz="2000" b="1" dirty="0">
+                <a:latin typeface="Arial" panose="020B0604020202020204" pitchFamily="34" charset="0"/>
+                <a:ea typeface="Times New Roman" panose="02020603050405020304" pitchFamily="18" charset="0"/>
+              </a:rPr>
+              <a:t>הפנימית</a:t>
+            </a:r>
+            <a:r>
+              <a:rPr lang="he-IL" sz="2000" dirty="0">
+                <a:latin typeface="Arial" panose="020B0604020202020204" pitchFamily="34" charset="0"/>
+                <a:ea typeface="Times New Roman" panose="02020603050405020304" pitchFamily="18" charset="0"/>
+              </a:rPr>
+              <a:t> בקטע הקוד הבא:</a:t>
+            </a:r>
+            <a:endParaRPr lang="en-US" sz="2000" dirty="0">
+              <a:latin typeface="Times New Roman" panose="02020603050405020304" pitchFamily="18" charset="0"/>
+              <a:ea typeface="Times New Roman" panose="02020603050405020304" pitchFamily="18" charset="0"/>
+              <a:cs typeface="Arial" panose="020B0604020202020204" pitchFamily="34" charset="0"/>
+            </a:endParaRPr>
           </a:p>
         </p:txBody>
       </p:sp>
       <p:sp>
         <p:nvSpPr>
-          <p:cNvPr id="46" name="Rectangle 45"/>
+          <p:cNvPr id="15" name="Rectangle 14"/>
           <p:cNvSpPr/>
           <p:nvPr/>
         </p:nvSpPr>
         <p:spPr>
           <a:xfrm>
-            <a:off x="8300775" y="4102830"/>
-            <a:ext cx="3639138" cy="369332"/>
+            <a:off x="4185976" y="4025449"/>
+            <a:ext cx="2775119" cy="369332"/>
           </a:xfrm>
           <a:prstGeom prst="rect">
             <a:avLst/>
@@ -10901,23 +10918,42 @@
           </a:bodyPr>
           <a:lstStyle/>
           <a:p>
+            <a:pPr algn="l" rtl="0"/>
             <a:r>
               <a:rPr lang="pt-BR" dirty="0">
                 <a:latin typeface="Söhne"/>
               </a:rPr>
-              <a:t>Runtime ≈ </a:t>
+              <a:t>1 + </a:t>
             </a:r>
             <a:r>
               <a:rPr lang="pt-BR" dirty="0" smtClean="0">
                 <a:latin typeface="Söhne"/>
               </a:rPr>
-              <a:t>O(1 </a:t>
+              <a:t>q </a:t>
             </a:r>
             <a:r>
               <a:rPr lang="pt-BR" dirty="0">
                 <a:latin typeface="Söhne"/>
               </a:rPr>
-              <a:t>* (1 - 4^n) / (1 - 4))</a:t>
+              <a:t>+ </a:t>
+            </a:r>
+            <a:r>
+              <a:rPr lang="pt-BR" dirty="0" smtClean="0">
+                <a:latin typeface="Söhne"/>
+              </a:rPr>
+              <a:t>q^2 </a:t>
+            </a:r>
+            <a:r>
+              <a:rPr lang="pt-BR" dirty="0">
+                <a:latin typeface="Söhne"/>
+              </a:rPr>
+              <a:t>+ ... + </a:t>
+            </a:r>
+            <a:r>
+              <a:rPr lang="pt-BR" dirty="0" smtClean="0">
+                <a:latin typeface="Söhne"/>
+              </a:rPr>
+              <a:t>q^(n-1)</a:t>
             </a:r>
             <a:endParaRPr lang="en-US" dirty="0"/>
           </a:p>
@@ -10925,13 +10961,50 @@
       </p:sp>
       <p:sp>
         <p:nvSpPr>
-          <p:cNvPr id="47" name="Right Arrow 46"/>
+          <p:cNvPr id="40" name="Rectangle 39"/>
           <p:cNvSpPr/>
           <p:nvPr/>
         </p:nvSpPr>
         <p:spPr>
           <a:xfrm>
-            <a:off x="7529822" y="4179774"/>
+            <a:off x="8204161" y="4016351"/>
+            <a:ext cx="2146742" cy="369332"/>
+          </a:xfrm>
+          <a:prstGeom prst="rect">
+            <a:avLst/>
+          </a:prstGeom>
+        </p:spPr>
+        <p:txBody>
+          <a:bodyPr wrap="none">
+            <a:spAutoFit/>
+          </a:bodyPr>
+          <a:lstStyle/>
+          <a:p>
+            <a:r>
+              <a:rPr lang="pt-BR" dirty="0" smtClean="0">
+                <a:latin typeface="Söhne Mono"/>
+              </a:rPr>
+              <a:t>K = (r^k </a:t>
+            </a:r>
+            <a:r>
+              <a:rPr lang="pt-BR" dirty="0">
+                <a:latin typeface="Söhne Mono"/>
+              </a:rPr>
+              <a:t>- 1) / (r - 1)</a:t>
+            </a:r>
+            <a:endParaRPr lang="en-US" dirty="0"/>
+          </a:p>
+        </p:txBody>
+      </p:sp>
+      <p:sp>
+        <p:nvSpPr>
+          <p:cNvPr id="44" name="Right Arrow 43"/>
+          <p:cNvSpPr/>
+          <p:nvPr/>
+        </p:nvSpPr>
+        <p:spPr>
+          <a:xfrm>
+            <a:off x="7241879" y="4038267"/>
             <a:ext cx="646981" cy="292388"/>
           </a:xfrm>
           <a:prstGeom prst="rightArrow">
@@ -10960,69 +11033,6 @@
           <a:p>
             <a:pPr algn="ctr"/>
             <a:endParaRPr lang="en-US"/>
-          </a:p>
-        </p:txBody>
-      </p:sp>
-      <p:sp>
-        <p:nvSpPr>
-          <p:cNvPr id="4" name="Rectangle 3"/>
-          <p:cNvSpPr/>
-          <p:nvPr/>
-        </p:nvSpPr>
-        <p:spPr>
-          <a:xfrm>
-            <a:off x="2165230" y="774243"/>
-            <a:ext cx="8140454" cy="707886"/>
-          </a:xfrm>
-          <a:prstGeom prst="rect">
-            <a:avLst/>
-          </a:prstGeom>
-        </p:spPr>
-        <p:txBody>
-          <a:bodyPr wrap="square">
-            <a:spAutoFit/>
-          </a:bodyPr>
-          <a:lstStyle/>
-          <a:p>
-            <a:pPr>
-              <a:spcBef>
-                <a:spcPts val="600"/>
-              </a:spcBef>
-            </a:pPr>
-            <a:r>
-              <a:rPr lang="he-IL" sz="2000" dirty="0">
-                <a:latin typeface="Times New Roman" panose="02020603050405020304" pitchFamily="18" charset="0"/>
-                <a:ea typeface="Times New Roman" panose="02020603050405020304" pitchFamily="18" charset="0"/>
-              </a:rPr>
-              <a:t>חשבו את מספר הפעמים בו מתבצע גוף של לולאת ה-</a:t>
-            </a:r>
-            <a:r>
-              <a:rPr lang="en-US" sz="2000" dirty="0">
-                <a:latin typeface="Arial" panose="020B0604020202020204" pitchFamily="34" charset="0"/>
-                <a:ea typeface="Times New Roman" panose="02020603050405020304" pitchFamily="18" charset="0"/>
-                <a:cs typeface="Arial" panose="020B0604020202020204" pitchFamily="34" charset="0"/>
-              </a:rPr>
-              <a:t>while </a:t>
-            </a:r>
-            <a:r>
-              <a:rPr lang="he-IL" sz="2000" b="1" dirty="0">
-                <a:latin typeface="Arial" panose="020B0604020202020204" pitchFamily="34" charset="0"/>
-                <a:ea typeface="Times New Roman" panose="02020603050405020304" pitchFamily="18" charset="0"/>
-              </a:rPr>
-              <a:t>הפנימית</a:t>
-            </a:r>
-            <a:r>
-              <a:rPr lang="he-IL" sz="2000" dirty="0">
-                <a:latin typeface="Arial" panose="020B0604020202020204" pitchFamily="34" charset="0"/>
-                <a:ea typeface="Times New Roman" panose="02020603050405020304" pitchFamily="18" charset="0"/>
-              </a:rPr>
-              <a:t> בקטע הקוד הבא:</a:t>
-            </a:r>
-            <a:endParaRPr lang="en-US" sz="2000" dirty="0">
-              <a:latin typeface="Times New Roman" panose="02020603050405020304" pitchFamily="18" charset="0"/>
-              <a:ea typeface="Times New Roman" panose="02020603050405020304" pitchFamily="18" charset="0"/>
-              <a:cs typeface="Arial" panose="020B0604020202020204" pitchFamily="34" charset="0"/>
-            </a:endParaRPr>
           </a:p>
         </p:txBody>
       </p:sp>
@@ -12001,21 +12011,39 @@
                                   </p:childTnLst>
                                 </p:cTn>
                               </p:par>
+                            </p:childTnLst>
+                          </p:cTn>
+                        </p:par>
+                      </p:childTnLst>
+                    </p:cTn>
+                  </p:par>
+                  <p:par>
+                    <p:cTn id="77" fill="hold">
+                      <p:stCondLst>
+                        <p:cond delay="indefinite"/>
+                      </p:stCondLst>
+                      <p:childTnLst>
+                        <p:par>
+                          <p:cTn id="78" fill="hold">
+                            <p:stCondLst>
+                              <p:cond delay="0"/>
+                            </p:stCondLst>
+                            <p:childTnLst>
                               <p:par>
-                                <p:cTn id="77" presetID="1" presetClass="entr" presetSubtype="0" fill="hold" nodeType="withEffect">
+                                <p:cTn id="79" presetID="1" presetClass="entr" presetSubtype="0" fill="hold" grpId="0" nodeType="clickEffect">
                                   <p:stCondLst>
                                     <p:cond delay="0"/>
                                   </p:stCondLst>
                                   <p:childTnLst>
                                     <p:set>
                                       <p:cBhvr>
-                                        <p:cTn id="78" dur="1" fill="hold">
+                                        <p:cTn id="80" dur="1" fill="hold">
                                           <p:stCondLst>
                                             <p:cond delay="0"/>
                                           </p:stCondLst>
                                         </p:cTn>
                                         <p:tgtEl>
-                                          <p:spTgt spid="39"/>
+                                          <p:spTgt spid="15"/>
                                         </p:tgtEl>
                                         <p:attrNameLst>
                                           <p:attrName>style.visibility</p:attrName>
@@ -12035,32 +12063,32 @@
                     </p:cTn>
                   </p:par>
                   <p:par>
-                    <p:cTn id="79" fill="hold">
+                    <p:cTn id="81" fill="hold">
                       <p:stCondLst>
                         <p:cond delay="indefinite"/>
                       </p:stCondLst>
                       <p:childTnLst>
                         <p:par>
-                          <p:cTn id="80" fill="hold">
+                          <p:cTn id="82" fill="hold">
                             <p:stCondLst>
                               <p:cond delay="0"/>
                             </p:stCondLst>
                             <p:childTnLst>
                               <p:par>
-                                <p:cTn id="81" presetID="1" presetClass="entr" presetSubtype="0" fill="hold" grpId="0" nodeType="clickEffect">
+                                <p:cTn id="83" presetID="1" presetClass="entr" presetSubtype="0" fill="hold" grpId="0" nodeType="clickEffect">
                                   <p:stCondLst>
                                     <p:cond delay="0"/>
                                   </p:stCondLst>
                                   <p:childTnLst>
                                     <p:set>
                                       <p:cBhvr>
-                                        <p:cTn id="82" dur="1" fill="hold">
+                                        <p:cTn id="84" dur="1" fill="hold">
                                           <p:stCondLst>
                                             <p:cond delay="0"/>
                                           </p:stCondLst>
                                         </p:cTn>
                                         <p:tgtEl>
-                                          <p:spTgt spid="47"/>
+                                          <p:spTgt spid="44"/>
                                         </p:tgtEl>
                                         <p:attrNameLst>
                                           <p:attrName>style.visibility</p:attrName>
@@ -12080,32 +12108,32 @@
                     </p:cTn>
                   </p:par>
                   <p:par>
-                    <p:cTn id="83" fill="hold">
+                    <p:cTn id="85" fill="hold">
                       <p:stCondLst>
                         <p:cond delay="indefinite"/>
                       </p:stCondLst>
                       <p:childTnLst>
                         <p:par>
-                          <p:cTn id="84" fill="hold">
+                          <p:cTn id="86" fill="hold">
                             <p:stCondLst>
                               <p:cond delay="0"/>
                             </p:stCondLst>
                             <p:childTnLst>
                               <p:par>
-                                <p:cTn id="85" presetID="1" presetClass="entr" presetSubtype="0" fill="hold" grpId="0" nodeType="clickEffect">
+                                <p:cTn id="87" presetID="1" presetClass="entr" presetSubtype="0" fill="hold" grpId="0" nodeType="clickEffect">
                                   <p:stCondLst>
                                     <p:cond delay="0"/>
                                   </p:stCondLst>
                                   <p:childTnLst>
                                     <p:set>
                                       <p:cBhvr>
-                                        <p:cTn id="86" dur="1" fill="hold">
+                                        <p:cTn id="88" dur="1" fill="hold">
                                           <p:stCondLst>
                                             <p:cond delay="0"/>
                                           </p:stCondLst>
                                         </p:cTn>
                                         <p:tgtEl>
-                                          <p:spTgt spid="46"/>
+                                          <p:spTgt spid="40"/>
                                         </p:tgtEl>
                                         <p:attrNameLst>
                                           <p:attrName>style.visibility</p:attrName>
@@ -12125,32 +12153,32 @@
                     </p:cTn>
                   </p:par>
                   <p:par>
-                    <p:cTn id="87" fill="hold">
+                    <p:cTn id="89" fill="hold">
                       <p:stCondLst>
                         <p:cond delay="indefinite"/>
                       </p:stCondLst>
                       <p:childTnLst>
                         <p:par>
-                          <p:cTn id="88" fill="hold">
+                          <p:cTn id="90" fill="hold">
                             <p:stCondLst>
                               <p:cond delay="0"/>
                             </p:stCondLst>
                             <p:childTnLst>
                               <p:par>
-                                <p:cTn id="89" presetID="1" presetClass="entr" presetSubtype="0" fill="hold" grpId="0" nodeType="clickEffect">
+                                <p:cTn id="91" presetID="1" presetClass="entr" presetSubtype="0" fill="hold" grpId="0" nodeType="clickEffect">
                                   <p:stCondLst>
                                     <p:cond delay="0"/>
                                   </p:stCondLst>
                                   <p:childTnLst>
                                     <p:set>
                                       <p:cBhvr>
-                                        <p:cTn id="90" dur="1" fill="hold">
+                                        <p:cTn id="92" dur="1" fill="hold">
                                           <p:stCondLst>
                                             <p:cond delay="0"/>
                                           </p:stCondLst>
                                         </p:cTn>
                                         <p:tgtEl>
-                                          <p:spTgt spid="45"/>
+                                          <p:spTgt spid="46"/>
                                         </p:tgtEl>
                                         <p:attrNameLst>
                                           <p:attrName>style.visibility</p:attrName>
@@ -12224,9 +12252,10 @@
       <p:bldP spid="36" grpId="0"/>
       <p:bldP spid="37" grpId="0"/>
       <p:bldP spid="38" grpId="0"/>
-      <p:bldP spid="45" grpId="0"/>
       <p:bldP spid="46" grpId="0"/>
-      <p:bldP spid="47" grpId="0" animBg="1"/>
+      <p:bldP spid="15" grpId="0"/>
+      <p:bldP spid="40" grpId="0"/>
+      <p:bldP spid="44" grpId="0" animBg="1"/>
     </p:bldLst>
   </p:timing>
 </p:sld>
@@ -12795,7 +12824,7 @@
               <a:t>פונקציה מתמטית שימושית המוכרת לנו מהתיכון, היא </a:t>
             </a:r>
             <a:r>
-              <a:rPr kumimoji="0" lang="he-IL" altLang="he-IL" sz="2000" b="0" i="0" u="none" strike="noStrike" kern="0" cap="none" spc="0" normalizeH="0" baseline="0" noProof="0" dirty="0" err="1" smtClean="0">
+              <a:rPr kumimoji="0" lang="he-IL" altLang="he-IL" sz="2000" b="0" i="0" u="none" strike="noStrike" kern="0" cap="none" spc="0" normalizeH="0" baseline="0" noProof="0" dirty="0" smtClean="0">
                 <a:ln>
                   <a:noFill/>
                 </a:ln>
@@ -12809,7 +12838,7 @@
                 <a:ea typeface="+mn-ea"/>
                 <a:cs typeface="Arial"/>
               </a:rPr>
-              <a:t>פונקצית</a:t>
+              <a:t>פונקציית </a:t>
             </a:r>
             <a:r>
               <a:rPr kumimoji="0" lang="he-IL" altLang="he-IL" sz="2000" b="0" i="0" u="none" strike="noStrike" kern="0" cap="none" spc="0" normalizeH="0" baseline="0" noProof="0" dirty="0" smtClean="0">
@@ -12826,7 +12855,7 @@
                 <a:ea typeface="+mn-ea"/>
                 <a:cs typeface="Arial"/>
               </a:rPr>
-              <a:t> הלוגריתם (</a:t>
+              <a:t>הלוגריתם (</a:t>
             </a:r>
             <a:r>
               <a:rPr kumimoji="0" lang="en-US" altLang="he-IL" sz="2000" b="0" i="0" u="none" strike="noStrike" kern="0" cap="none" spc="0" normalizeH="0" baseline="0" noProof="0" dirty="0" smtClean="0">
@@ -23992,8 +24021,8 @@
           <a:p>
             <a:pPr algn="just" rtl="0"/>
             <a:r>
-              <a:rPr lang="en-US" dirty="0" err="1"/>
-              <a:t>1</a:t>
+              <a:rPr lang="en-US" dirty="0"/>
+              <a:t>2</a:t>
             </a:r>
             <a:endParaRPr lang="en-US" dirty="0"/>
           </a:p>
@@ -24022,8 +24051,8 @@
           <a:p>
             <a:pPr algn="just" rtl="0"/>
             <a:r>
-              <a:rPr lang="en-US" dirty="0" err="1"/>
-              <a:t>2</a:t>
+              <a:rPr lang="en-US" dirty="0"/>
+              <a:t>4</a:t>
             </a:r>
             <a:endParaRPr lang="en-US" dirty="0"/>
           </a:p>
@@ -24052,8 +24081,8 @@
           <a:p>
             <a:pPr algn="just" rtl="0"/>
             <a:r>
-              <a:rPr lang="en-US" dirty="0" err="1" smtClean="0"/>
-              <a:t>4</a:t>
+              <a:rPr lang="en-US" dirty="0" err="1"/>
+              <a:t>8</a:t>
             </a:r>
             <a:endParaRPr lang="en-US" dirty="0"/>
           </a:p>
@@ -24068,7 +24097,7 @@
         <p:spPr>
           <a:xfrm>
             <a:off x="6506792" y="4928101"/>
-            <a:ext cx="391597" cy="369332"/>
+            <a:ext cx="455511" cy="369332"/>
           </a:xfrm>
           <a:prstGeom prst="rect">
             <a:avLst/>
@@ -24082,8 +24111,8 @@
           <a:p>
             <a:pPr algn="just" rtl="0"/>
             <a:r>
-              <a:rPr lang="en-US" dirty="0" err="1"/>
-              <a:t>8</a:t>
+              <a:rPr lang="en-US" dirty="0" smtClean="0"/>
+              <a:t>16</a:t>
             </a:r>
             <a:endParaRPr lang="en-US" dirty="0"/>
           </a:p>
@@ -27453,7 +27482,7 @@
         </p:nvSpPr>
         <p:spPr>
           <a:xfrm>
-            <a:off x="3094409" y="2521356"/>
+            <a:off x="3324438" y="2543411"/>
             <a:ext cx="2403670" cy="369332"/>
           </a:xfrm>
           <a:prstGeom prst="rect">
@@ -27469,7 +27498,11 @@
             <a:pPr algn="just" rtl="0"/>
             <a:r>
               <a:rPr lang="en-US" dirty="0" smtClean="0"/>
-              <a:t>Inner loop integrations:</a:t>
+              <a:t>Inner loop </a:t>
+            </a:r>
+            <a:r>
+              <a:rPr lang="en-US" dirty="0" smtClean="0"/>
+              <a:t>iterations:</a:t>
             </a:r>
             <a:endParaRPr lang="en-US" dirty="0"/>
           </a:p>
@@ -28746,8 +28779,8 @@
         </p:nvSpPr>
         <p:spPr>
           <a:xfrm>
-            <a:off x="3808350" y="793473"/>
-            <a:ext cx="6436377" cy="400110"/>
+            <a:off x="3753848" y="793473"/>
+            <a:ext cx="6490879" cy="400110"/>
           </a:xfrm>
           <a:prstGeom prst="rect">
             <a:avLst/>
@@ -28772,19 +28805,39 @@
               <a:t>כמה פעמים מתבצעת פעולת הכפל </a:t>
             </a:r>
             <a:r>
+              <a:rPr lang="he-IL" sz="2000" dirty="0" smtClean="0">
+                <a:latin typeface="Times New Roman" panose="02020603050405020304" pitchFamily="18" charset="0"/>
+                <a:ea typeface="Times New Roman" panose="02020603050405020304" pitchFamily="18" charset="0"/>
+              </a:rPr>
+              <a:t> </a:t>
+            </a:r>
+            <a:r>
               <a:rPr lang="en-US" sz="2000" dirty="0">
-                <a:latin typeface="Arial" panose="020B0604020202020204" pitchFamily="34" charset="0"/>
-                <a:ea typeface="Times New Roman" panose="02020603050405020304" pitchFamily="18" charset="0"/>
-                <a:cs typeface="Arial" panose="020B0604020202020204" pitchFamily="34" charset="0"/>
-              </a:rPr>
-              <a:t>k *2 k &lt;- </a:t>
+                <a:latin typeface="Times New Roman" panose="02020603050405020304" pitchFamily="18" charset="0"/>
+                <a:ea typeface="Times New Roman" panose="02020603050405020304" pitchFamily="18" charset="0"/>
+              </a:rPr>
+              <a:t> </a:t>
+            </a:r>
+            <a:r>
+              <a:rPr lang="en-US" sz="2000" dirty="0" smtClean="0">
+                <a:latin typeface="Times New Roman" panose="02020603050405020304" pitchFamily="18" charset="0"/>
+                <a:ea typeface="Times New Roman" panose="02020603050405020304" pitchFamily="18" charset="0"/>
+              </a:rPr>
+              <a:t>k &lt;- k *2</a:t>
+            </a:r>
+            <a:r>
+              <a:rPr lang="he-IL" sz="2000" dirty="0" smtClean="0">
+                <a:latin typeface="Arial" panose="020B0604020202020204" pitchFamily="34" charset="0"/>
+                <a:ea typeface="Times New Roman" panose="02020603050405020304" pitchFamily="18" charset="0"/>
+              </a:rPr>
+              <a:t>בקטע </a:t>
             </a:r>
             <a:r>
               <a:rPr lang="he-IL" sz="2000" dirty="0">
                 <a:latin typeface="Arial" panose="020B0604020202020204" pitchFamily="34" charset="0"/>
                 <a:ea typeface="Times New Roman" panose="02020603050405020304" pitchFamily="18" charset="0"/>
               </a:rPr>
-              <a:t>בקטע הקוד הבא?</a:t>
+              <a:t>הקוד הבא?</a:t>
             </a:r>
             <a:endParaRPr lang="en-US" sz="2000" dirty="0">
               <a:latin typeface="Times New Roman" panose="02020603050405020304" pitchFamily="18" charset="0"/>
